--- a/Clustering_spatial_data_with_python.pptx
+++ b/Clustering_spatial_data_with_python.pptx
@@ -3370,7 +3370,7 @@
         </p:nvSpPr>
         <p:spPr>
           <a:xfrm>
-            <a:off x="252740" y="323413"/>
+            <a:off x="252740" y="40083"/>
             <a:ext cx="9144000" cy="979870"/>
           </a:xfrm>
         </p:spPr>
@@ -3523,6 +3523,106 @@
               </a:rPr>
               <a:t>https://medium.com/</a:t>
             </a:r>
+          </a:p>
+        </p:txBody>
+      </p:sp>
+      <p:sp>
+        <p:nvSpPr>
+          <p:cNvPr id="6" name="TextBox 5">
+            <a:extLst>
+              <a:ext uri="{FF2B5EF4-FFF2-40B4-BE49-F238E27FC236}">
+                <a16:creationId xmlns:a16="http://schemas.microsoft.com/office/drawing/2014/main" id="{2F967758-E857-E98A-051B-CABC76E1B2C2}"/>
+              </a:ext>
+            </a:extLst>
+          </p:cNvPr>
+          <p:cNvSpPr txBox="1"/>
+          <p:nvPr/>
+        </p:nvSpPr>
+        <p:spPr>
+          <a:xfrm>
+            <a:off x="662152" y="1180945"/>
+            <a:ext cx="8337026" cy="461665"/>
+          </a:xfrm>
+          <a:prstGeom prst="rect">
+            <a:avLst/>
+          </a:prstGeom>
+          <a:noFill/>
+        </p:spPr>
+        <p:txBody>
+          <a:bodyPr wrap="none" rtlCol="0">
+            <a:spAutoFit/>
+          </a:bodyPr>
+          <a:lstStyle/>
+          <a:p>
+            <a:r>
+              <a:rPr lang="en-JP" sz="2400" dirty="0">
+                <a:highlight>
+                  <a:srgbClr val="FFFF00"/>
+                </a:highlight>
+              </a:rPr>
+              <a:t>使用データ：</a:t>
+            </a:r>
+            <a:r>
+              <a:rPr lang="en-US" sz="2400" dirty="0">
+                <a:highlight>
+                  <a:srgbClr val="FFFF00"/>
+                </a:highlight>
+              </a:rPr>
+              <a:t>https://</a:t>
+            </a:r>
+            <a:r>
+              <a:rPr lang="en-US" sz="2400" dirty="0" err="1">
+                <a:highlight>
+                  <a:srgbClr val="FFFF00"/>
+                </a:highlight>
+              </a:rPr>
+              <a:t>github.com</a:t>
+            </a:r>
+            <a:r>
+              <a:rPr lang="en-US" sz="2400" dirty="0">
+                <a:highlight>
+                  <a:srgbClr val="FFFF00"/>
+                </a:highlight>
+              </a:rPr>
+              <a:t>/</a:t>
+            </a:r>
+            <a:r>
+              <a:rPr lang="en-US" sz="2400" dirty="0" err="1">
+                <a:highlight>
+                  <a:srgbClr val="FFFF00"/>
+                </a:highlight>
+              </a:rPr>
+              <a:t>doan</a:t>
+            </a:r>
+            <a:r>
+              <a:rPr lang="en-US" sz="2400" dirty="0">
+                <a:highlight>
+                  <a:srgbClr val="FFFF00"/>
+                </a:highlight>
+              </a:rPr>
+              <a:t>-van/</a:t>
+            </a:r>
+            <a:r>
+              <a:rPr lang="en-US" sz="2400" dirty="0" err="1">
+                <a:highlight>
+                  <a:srgbClr val="FFFF00"/>
+                </a:highlight>
+              </a:rPr>
+              <a:t>GIS_class</a:t>
+            </a:r>
+            <a:r>
+              <a:rPr lang="en-US" sz="2400" dirty="0">
+                <a:highlight>
+                  <a:srgbClr val="FFFF00"/>
+                </a:highlight>
+              </a:rPr>
+              <a:t>/tree/main</a:t>
+            </a:r>
+            <a:endParaRPr lang="en-JP" sz="2400" dirty="0">
+              <a:highlight>
+                <a:srgbClr val="FFFF00"/>
+              </a:highlight>
+            </a:endParaRPr>
           </a:p>
         </p:txBody>
       </p:sp>
@@ -3599,7 +3699,7 @@
         </p:nvSpPr>
         <p:spPr>
           <a:xfrm>
-            <a:off x="838200" y="6069012"/>
+            <a:off x="838200" y="5301757"/>
             <a:ext cx="6362700" cy="588963"/>
           </a:xfrm>
         </p:spPr>
@@ -3651,13 +3751,87 @@
         <p:spPr>
           <a:xfrm>
             <a:off x="838200" y="200025"/>
-            <a:ext cx="10079736" cy="5614988"/>
+            <a:ext cx="8716254" cy="4855451"/>
           </a:xfrm>
           <a:prstGeom prst="rect">
             <a:avLst/>
           </a:prstGeom>
         </p:spPr>
       </p:pic>
+      <p:sp>
+        <p:nvSpPr>
+          <p:cNvPr id="6" name="TextBox 5">
+            <a:extLst>
+              <a:ext uri="{FF2B5EF4-FFF2-40B4-BE49-F238E27FC236}">
+                <a16:creationId xmlns:a16="http://schemas.microsoft.com/office/drawing/2014/main" id="{ADECDD1D-5B40-4AFF-E401-D8589699BBAA}"/>
+              </a:ext>
+            </a:extLst>
+          </p:cNvPr>
+          <p:cNvSpPr txBox="1"/>
+          <p:nvPr/>
+        </p:nvSpPr>
+        <p:spPr>
+          <a:xfrm>
+            <a:off x="966952" y="6097470"/>
+            <a:ext cx="6096000" cy="400110"/>
+          </a:xfrm>
+          <a:prstGeom prst="rect">
+            <a:avLst/>
+          </a:prstGeom>
+          <a:noFill/>
+        </p:spPr>
+        <p:txBody>
+          <a:bodyPr wrap="square">
+            <a:spAutoFit/>
+          </a:bodyPr>
+          <a:lstStyle/>
+          <a:p>
+            <a:r>
+              <a:rPr lang="en-JP" sz="2000" dirty="0">
+                <a:highlight>
+                  <a:srgbClr val="FFFF00"/>
+                </a:highlight>
+              </a:rPr>
+              <a:t>https://github.com/doan-van/S-k-means</a:t>
+            </a:r>
+          </a:p>
+        </p:txBody>
+      </p:sp>
+      <p:sp>
+        <p:nvSpPr>
+          <p:cNvPr id="7" name="TextBox 6">
+            <a:extLst>
+              <a:ext uri="{FF2B5EF4-FFF2-40B4-BE49-F238E27FC236}">
+                <a16:creationId xmlns:a16="http://schemas.microsoft.com/office/drawing/2014/main" id="{1989C46C-FC89-8E5E-D3F7-ECD22A922178}"/>
+              </a:ext>
+            </a:extLst>
+          </p:cNvPr>
+          <p:cNvSpPr txBox="1"/>
+          <p:nvPr/>
+        </p:nvSpPr>
+        <p:spPr>
+          <a:xfrm>
+            <a:off x="966952" y="5728138"/>
+            <a:ext cx="1800493" cy="369332"/>
+          </a:xfrm>
+          <a:prstGeom prst="rect">
+            <a:avLst/>
+          </a:prstGeom>
+          <a:noFill/>
+        </p:spPr>
+        <p:txBody>
+          <a:bodyPr wrap="none" rtlCol="0">
+            <a:spAutoFit/>
+          </a:bodyPr>
+          <a:lstStyle/>
+          <a:p>
+            <a:r>
+              <a:rPr lang="en-JP" dirty="0"/>
+              <a:t>ソースコード：</a:t>
+            </a:r>
+          </a:p>
+        </p:txBody>
+      </p:sp>
     </p:spTree>
     <p:extLst>
       <p:ext uri="{BB962C8B-B14F-4D97-AF65-F5344CB8AC3E}">
